--- a/b609/lec10.pptx
+++ b/b609/lec10.pptx
@@ -20,15 +20,15 @@
     <p:sldId id="265" r:id="rId11"/>
     <p:sldId id="266" r:id="rId12"/>
     <p:sldId id="267" r:id="rId13"/>
-    <p:sldId id="268" r:id="rId14"/>
-    <p:sldId id="269" r:id="rId15"/>
-    <p:sldId id="270" r:id="rId16"/>
-    <p:sldId id="271" r:id="rId17"/>
-    <p:sldId id="272" r:id="rId18"/>
-    <p:sldId id="273" r:id="rId19"/>
-    <p:sldId id="274" r:id="rId20"/>
-    <p:sldId id="275" r:id="rId21"/>
-    <p:sldId id="276" r:id="rId22"/>
+    <p:sldId id="278" r:id="rId14"/>
+    <p:sldId id="279" r:id="rId15"/>
+    <p:sldId id="280" r:id="rId16"/>
+    <p:sldId id="281" r:id="rId17"/>
+    <p:sldId id="282" r:id="rId18"/>
+    <p:sldId id="283" r:id="rId19"/>
+    <p:sldId id="284" r:id="rId20"/>
+    <p:sldId id="285" r:id="rId21"/>
+    <p:sldId id="286" r:id="rId22"/>
   </p:sldIdLst>
   <p:sldSz cx="9144000" cy="6858000" type="screen4x3"/>
   <p:notesSz cx="6858000" cy="9144000"/>
@@ -9327,7 +9327,7 @@
     </p:spTree>
     <p:extLst>
       <p:ext uri="{BB962C8B-B14F-4D97-AF65-F5344CB8AC3E}">
-        <p14:creationId xmlns:p14="http://schemas.microsoft.com/office/powerpoint/2010/main" val="1152475910"/>
+        <p14:creationId xmlns:p14="http://schemas.microsoft.com/office/powerpoint/2010/main" val="2309386563"/>
       </p:ext>
     </p:extLst>
   </p:cSld>
@@ -11997,7 +11997,7 @@
     </p:spTree>
     <p:extLst>
       <p:ext uri="{BB962C8B-B14F-4D97-AF65-F5344CB8AC3E}">
-        <p14:creationId xmlns:p14="http://schemas.microsoft.com/office/powerpoint/2010/main" val="3818312813"/>
+        <p14:creationId xmlns:p14="http://schemas.microsoft.com/office/powerpoint/2010/main" val="2573475452"/>
       </p:ext>
     </p:extLst>
   </p:cSld>
@@ -13374,7 +13374,7 @@
     </p:spTree>
     <p:extLst>
       <p:ext uri="{BB962C8B-B14F-4D97-AF65-F5344CB8AC3E}">
-        <p14:creationId xmlns:p14="http://schemas.microsoft.com/office/powerpoint/2010/main" val="1445509098"/>
+        <p14:creationId xmlns:p14="http://schemas.microsoft.com/office/powerpoint/2010/main" val="466536819"/>
       </p:ext>
     </p:extLst>
   </p:cSld>
@@ -13992,7 +13992,7 @@
     </p:spTree>
     <p:extLst>
       <p:ext uri="{BB962C8B-B14F-4D97-AF65-F5344CB8AC3E}">
-        <p14:creationId xmlns:p14="http://schemas.microsoft.com/office/powerpoint/2010/main" val="987212300"/>
+        <p14:creationId xmlns:p14="http://schemas.microsoft.com/office/powerpoint/2010/main" val="2839622352"/>
       </p:ext>
     </p:extLst>
   </p:cSld>
@@ -14556,7 +14556,7 @@
     </p:spTree>
     <p:extLst>
       <p:ext uri="{BB962C8B-B14F-4D97-AF65-F5344CB8AC3E}">
-        <p14:creationId xmlns:p14="http://schemas.microsoft.com/office/powerpoint/2010/main" val="2807461921"/>
+        <p14:creationId xmlns:p14="http://schemas.microsoft.com/office/powerpoint/2010/main" val="3478953266"/>
       </p:ext>
     </p:extLst>
   </p:cSld>
@@ -14926,8 +14926,8 @@
           </a:p>
         </p:txBody>
       </p:sp>
-      <mc:AlternateContent xmlns:mc="http://schemas.openxmlformats.org/markup-compatibility/2006" xmlns:a14="http://schemas.microsoft.com/office/drawing/2010/main">
-        <mc:Choice Requires="a14">
+      <mc:AlternateContent xmlns:mc="http://schemas.openxmlformats.org/markup-compatibility/2006">
+        <mc:Choice xmlns:a14="http://schemas.microsoft.com/office/drawing/2010/main" Requires="a14">
           <p:sp>
             <p:nvSpPr>
               <p:cNvPr id="3" name="Content Placeholder 2"/>
@@ -14946,7 +14946,7 @@
             </p:spPr>
             <p:txBody>
               <a:bodyPr>
-                <a:normAutofit lnSpcReduction="10000"/>
+                <a:normAutofit fontScale="92500"/>
               </a:bodyPr>
               <a:lstStyle/>
               <a:p>
@@ -15091,7 +15091,15 @@
                 </a14:m>
                 <a:r>
                   <a:rPr lang="en-US" dirty="0" smtClean="0"/>
-                  <a:t> is an undirected weighted graph the if </a:t>
+                  <a:t> is an undirected weighted graph </a:t>
+                </a:r>
+                <a:r>
+                  <a:rPr lang="en-US" dirty="0" smtClean="0"/>
+                  <a:t>then </a:t>
+                </a:r>
+                <a:r>
+                  <a:rPr lang="en-US" dirty="0" smtClean="0"/>
+                  <a:t>if </a:t>
                 </a:r>
                 <a14:m>
                   <m:oMath xmlns:m="http://schemas.openxmlformats.org/officeDocument/2006/math">
@@ -15319,7 +15327,15 @@
                 </a:r>
                 <a:r>
                   <a:rPr lang="en-US" dirty="0" smtClean="0"/>
-                  <a:t> alg.  Preserves weights of all cuts up to </a:t>
+                  <a:t> alg.  </a:t>
+                </a:r>
+                <a:r>
+                  <a:rPr lang="en-US" dirty="0" smtClean="0"/>
+                  <a:t>preserves </a:t>
+                </a:r>
+                <a:r>
+                  <a:rPr lang="en-US" dirty="0" smtClean="0"/>
+                  <a:t>weights of all cuts up to </a:t>
                 </a:r>
                 <a14:m>
                   <m:oMath xmlns:m="http://schemas.openxmlformats.org/officeDocument/2006/math">
@@ -15577,7 +15593,7 @@
             </p:txBody>
           </p:sp>
         </mc:Choice>
-        <mc:Fallback xmlns="">
+        <mc:Fallback>
           <p:sp>
             <p:nvSpPr>
               <p:cNvPr id="3" name="Content Placeholder 2"/>
@@ -15596,7 +15612,7 @@
               <a:blipFill rotWithShape="1">
                 <a:blip r:embed="rId2"/>
                 <a:stretch>
-                  <a:fillRect l="-1630" t="-2320" r="-741"/>
+                  <a:fillRect l="-1481" t="-1392" r="-2593" b="-1044"/>
                 </a:stretch>
               </a:blipFill>
             </p:spPr>
@@ -15618,7 +15634,7 @@
     </p:spTree>
     <p:extLst>
       <p:ext uri="{BB962C8B-B14F-4D97-AF65-F5344CB8AC3E}">
-        <p14:creationId xmlns:p14="http://schemas.microsoft.com/office/powerpoint/2010/main" val="3413703654"/>
+        <p14:creationId xmlns:p14="http://schemas.microsoft.com/office/powerpoint/2010/main" val="3691636142"/>
       </p:ext>
     </p:extLst>
   </p:cSld>
@@ -16744,7 +16760,7 @@
     </p:spTree>
     <p:extLst>
       <p:ext uri="{BB962C8B-B14F-4D97-AF65-F5344CB8AC3E}">
-        <p14:creationId xmlns:p14="http://schemas.microsoft.com/office/powerpoint/2010/main" val="4220508763"/>
+        <p14:creationId xmlns:p14="http://schemas.microsoft.com/office/powerpoint/2010/main" val="760076075"/>
       </p:ext>
     </p:extLst>
   </p:cSld>
@@ -18953,7 +18969,7 @@
     </p:spTree>
     <p:extLst>
       <p:ext uri="{BB962C8B-B14F-4D97-AF65-F5344CB8AC3E}">
-        <p14:creationId xmlns:p14="http://schemas.microsoft.com/office/powerpoint/2010/main" val="1523014944"/>
+        <p14:creationId xmlns:p14="http://schemas.microsoft.com/office/powerpoint/2010/main" val="797403902"/>
       </p:ext>
     </p:extLst>
   </p:cSld>
@@ -20238,7 +20254,7 @@
     </p:spTree>
     <p:extLst>
       <p:ext uri="{BB962C8B-B14F-4D97-AF65-F5344CB8AC3E}">
-        <p14:creationId xmlns:p14="http://schemas.microsoft.com/office/powerpoint/2010/main" val="2887232492"/>
+        <p14:creationId xmlns:p14="http://schemas.microsoft.com/office/powerpoint/2010/main" val="1084332268"/>
       </p:ext>
     </p:extLst>
   </p:cSld>
